--- a/files/course_material/2022_Spring/PPT/Lecture3.pptx
+++ b/files/course_material/2022_Spring/PPT/Lecture3.pptx
@@ -239,7 +239,7 @@
           <a:p>
             <a:fld id="{D1D9D5B2-5D7A-4763-8DB5-E223CE43EB7B}" type="datetimeFigureOut">
               <a:rPr lang="zh-TW" altLang="en-US" smtClean="0"/>
-              <a:t>2022/2/17</a:t>
+              <a:t>2022/3/29</a:t>
             </a:fld>
             <a:endParaRPr lang="zh-TW" altLang="en-US"/>
           </a:p>
@@ -404,7 +404,7 @@
           <a:p>
             <a:fld id="{5C6EDD7B-3C59-42F5-83C0-F26EC9B997CE}" type="datetimeFigureOut">
               <a:rPr lang="zh-TW" altLang="en-US" smtClean="0"/>
-              <a:t>2022/2/17</a:t>
+              <a:t>2022/3/29</a:t>
             </a:fld>
             <a:endParaRPr lang="zh-TW" altLang="en-US"/>
           </a:p>
@@ -5326,7 +5326,7 @@
         </p:blipFill>
         <p:spPr>
           <a:xfrm>
-            <a:off x="1516591" y="1690688"/>
+            <a:off x="1541529" y="1690688"/>
             <a:ext cx="2810267" cy="4324954"/>
           </a:xfrm>
         </p:spPr>
@@ -6550,8 +6550,8 @@
           </a:p>
         </p:txBody>
       </p:sp>
-      <mc:AlternateContent xmlns:mc="http://schemas.openxmlformats.org/markup-compatibility/2006" xmlns:a14="http://schemas.microsoft.com/office/drawing/2010/main">
-        <mc:Choice Requires="a14">
+      <mc:AlternateContent xmlns:mc="http://schemas.openxmlformats.org/markup-compatibility/2006">
+        <mc:Choice xmlns:a14="http://schemas.microsoft.com/office/drawing/2010/main" Requires="a14">
           <p:sp>
             <p:nvSpPr>
               <p:cNvPr id="8" name="內容版面配置區 7"/>
@@ -6697,18 +6697,22 @@
                 <a:pPr lvl="1"/>
                 <a:r>
                   <a:rPr lang="en-US" altLang="zh-TW" dirty="0" smtClean="0"/>
-                  <a:t>Greedy policy </a:t>
-                </a:r>
-                <a:r>
-                  <a:rPr lang="en-US" altLang="zh-TW" dirty="0" err="1" smtClean="0"/>
-                  <a:t>improment</a:t>
+                  <a:t>Greedy </a:t>
+                </a:r>
+                <a:r>
+                  <a:rPr lang="en-US" altLang="zh-TW" smtClean="0"/>
+                  <a:t>policy </a:t>
+                </a:r>
+                <a:r>
+                  <a:rPr lang="en-US" altLang="zh-TW" smtClean="0"/>
+                  <a:t>improvement</a:t>
                 </a:r>
                 <a:endParaRPr lang="zh-TW" altLang="en-US" dirty="0"/>
               </a:p>
             </p:txBody>
           </p:sp>
         </mc:Choice>
-        <mc:Fallback xmlns="">
+        <mc:Fallback>
           <p:sp>
             <p:nvSpPr>
               <p:cNvPr id="8" name="內容版面配置區 7"/>
@@ -6732,7 +6736,7 @@
               <a:lstStyle/>
               <a:p>
                 <a:r>
-                  <a:rPr lang="zh-TW" altLang="en-US">
+                  <a:rPr lang="en-US">
                     <a:noFill/>
                   </a:rPr>
                   <a:t> </a:t>
@@ -18859,8 +18863,8 @@
           </a:p>
         </p:txBody>
       </p:sp>
-      <mc:AlternateContent xmlns:mc="http://schemas.openxmlformats.org/markup-compatibility/2006" xmlns:a14="http://schemas.microsoft.com/office/drawing/2010/main">
-        <mc:Choice Requires="a14">
+      <mc:AlternateContent xmlns:mc="http://schemas.openxmlformats.org/markup-compatibility/2006">
+        <mc:Choice xmlns:a14="http://schemas.microsoft.com/office/drawing/2010/main" Requires="a14">
           <p:sp>
             <p:nvSpPr>
               <p:cNvPr id="3" name="內容版面配置區 2"/>
@@ -19203,16 +19207,6 @@
                           <m:rPr>
                             <m:nor/>
                           </m:rPr>
-                          <a:rPr lang="en-US" altLang="zh-TW">
-                            <a:latin typeface="Cambria Math" panose="02040503050406030204" pitchFamily="18" charset="0"/>
-                            <a:ea typeface="Cambria Math" panose="02040503050406030204" pitchFamily="18" charset="0"/>
-                          </a:rPr>
-                          <m:t>+1</m:t>
-                        </m:r>
-                        <m:r>
-                          <m:rPr>
-                            <m:nor/>
-                          </m:rPr>
                           <a:rPr lang="en-US" altLang="zh-TW" dirty="0"/>
                           <m:t> </m:t>
                         </m:r>
@@ -19227,12 +19221,31 @@
                         </m:ctrlPr>
                       </m:dPr>
                       <m:e>
-                        <m:r>
-                          <a:rPr lang="en-US" altLang="zh-TW" i="1" dirty="0">
-                            <a:latin typeface="Cambria Math" panose="02040503050406030204" pitchFamily="18" charset="0"/>
-                          </a:rPr>
-                          <m:t>𝑠</m:t>
-                        </m:r>
+                        <m:sSup>
+                          <m:sSupPr>
+                            <m:ctrlPr>
+                              <a:rPr lang="en-US" altLang="zh-TW" i="1" dirty="0" smtClean="0">
+                                <a:latin typeface="Cambria Math" panose="02040503050406030204" pitchFamily="18" charset="0"/>
+                              </a:rPr>
+                            </m:ctrlPr>
+                          </m:sSupPr>
+                          <m:e>
+                            <m:r>
+                              <a:rPr lang="en-US" altLang="zh-TW" b="0" i="1" dirty="0" smtClean="0">
+                                <a:latin typeface="Cambria Math" panose="02040503050406030204" pitchFamily="18" charset="0"/>
+                              </a:rPr>
+                              <m:t>𝑠</m:t>
+                            </m:r>
+                          </m:e>
+                          <m:sup>
+                            <m:r>
+                              <a:rPr lang="en-US" altLang="zh-TW" b="0" i="1" dirty="0" smtClean="0">
+                                <a:latin typeface="Cambria Math" panose="02040503050406030204" pitchFamily="18" charset="0"/>
+                              </a:rPr>
+                              <m:t>′</m:t>
+                            </m:r>
+                          </m:sup>
+                        </m:sSup>
                       </m:e>
                     </m:d>
                   </m:oMath>
@@ -19256,7 +19269,7 @@
             </p:txBody>
           </p:sp>
         </mc:Choice>
-        <mc:Fallback xmlns="">
+        <mc:Fallback>
           <p:sp>
             <p:nvSpPr>
               <p:cNvPr id="3" name="內容版面配置區 2"/>
@@ -19280,7 +19293,7 @@
               <a:lstStyle/>
               <a:p>
                 <a:r>
-                  <a:rPr lang="zh-TW" altLang="en-US">
+                  <a:rPr lang="en-US">
                     <a:noFill/>
                   </a:rPr>
                   <a:t> </a:t>
